--- a/VITÓRIA NO DESERTO.pptx
+++ b/VITÓRIA NO DESERTO.pptx
@@ -309,7 +309,7 @@
           <a:p>
             <a:fld id="{4AAD347D-5ACD-4C99-B74B-A9C85AD731AF}" type="datetimeFigureOut">
               <a:rPr lang="en-US" dirty="0"/>
-              <a:t>3/8/2019</a:t>
+              <a:t>8/26/2023</a:t>
             </a:fld>
             <a:endParaRPr lang="en-US" dirty="0"/>
           </a:p>
@@ -579,7 +579,7 @@
           <a:p>
             <a:fld id="{4509A250-FF31-4206-8172-F9D3106AACB1}" type="datetimeFigureOut">
               <a:rPr lang="en-US" dirty="0"/>
-              <a:t>3/8/2019</a:t>
+              <a:t>8/26/2023</a:t>
             </a:fld>
             <a:endParaRPr lang="en-US" dirty="0"/>
           </a:p>
@@ -768,7 +768,7 @@
           <a:p>
             <a:fld id="{4509A250-FF31-4206-8172-F9D3106AACB1}" type="datetimeFigureOut">
               <a:rPr lang="en-US" dirty="0"/>
-              <a:t>3/8/2019</a:t>
+              <a:t>8/26/2023</a:t>
             </a:fld>
             <a:endParaRPr lang="en-US" dirty="0"/>
           </a:p>
@@ -1031,7 +1031,7 @@
           <a:p>
             <a:fld id="{4509A250-FF31-4206-8172-F9D3106AACB1}" type="datetimeFigureOut">
               <a:rPr lang="en-US" dirty="0"/>
-              <a:t>3/8/2019</a:t>
+              <a:t>8/26/2023</a:t>
             </a:fld>
             <a:endParaRPr lang="en-US" dirty="0"/>
           </a:p>
@@ -1358,7 +1358,7 @@
           <a:p>
             <a:fld id="{4509A250-FF31-4206-8172-F9D3106AACB1}" type="datetimeFigureOut">
               <a:rPr lang="en-US" dirty="0"/>
-              <a:t>3/8/2019</a:t>
+              <a:t>8/26/2023</a:t>
             </a:fld>
             <a:endParaRPr lang="en-US" dirty="0"/>
           </a:p>
@@ -1963,7 +1963,7 @@
           <a:p>
             <a:fld id="{4509A250-FF31-4206-8172-F9D3106AACB1}" type="datetimeFigureOut">
               <a:rPr lang="en-US" dirty="0"/>
-              <a:t>3/8/2019</a:t>
+              <a:t>8/26/2023</a:t>
             </a:fld>
             <a:endParaRPr lang="en-US" dirty="0"/>
           </a:p>
@@ -2805,7 +2805,7 @@
           <a:p>
             <a:fld id="{4509A250-FF31-4206-8172-F9D3106AACB1}" type="datetimeFigureOut">
               <a:rPr lang="en-US" dirty="0"/>
-              <a:t>3/8/2019</a:t>
+              <a:t>8/26/2023</a:t>
             </a:fld>
             <a:endParaRPr lang="en-US" dirty="0"/>
           </a:p>
@@ -2970,7 +2970,7 @@
           <a:p>
             <a:fld id="{4509A250-FF31-4206-8172-F9D3106AACB1}" type="datetimeFigureOut">
               <a:rPr lang="en-US" dirty="0"/>
-              <a:t>3/8/2019</a:t>
+              <a:t>8/26/2023</a:t>
             </a:fld>
             <a:endParaRPr lang="en-US" dirty="0"/>
           </a:p>
@@ -3145,7 +3145,7 @@
           <a:p>
             <a:fld id="{4509A250-FF31-4206-8172-F9D3106AACB1}" type="datetimeFigureOut">
               <a:rPr lang="en-US" dirty="0"/>
-              <a:t>3/8/2019</a:t>
+              <a:t>8/26/2023</a:t>
             </a:fld>
             <a:endParaRPr lang="en-US" dirty="0"/>
           </a:p>
@@ -3310,7 +3310,7 @@
           <a:p>
             <a:fld id="{4509A250-FF31-4206-8172-F9D3106AACB1}" type="datetimeFigureOut">
               <a:rPr lang="en-US" dirty="0"/>
-              <a:t>3/8/2019</a:t>
+              <a:t>8/26/2023</a:t>
             </a:fld>
             <a:endParaRPr lang="en-US" dirty="0"/>
           </a:p>
@@ -3549,7 +3549,7 @@
           <a:p>
             <a:fld id="{9796027F-7875-4030-9381-8BD8C4F21935}" type="datetimeFigureOut">
               <a:rPr lang="en-US" dirty="0"/>
-              <a:t>3/8/2019</a:t>
+              <a:t>8/26/2023</a:t>
             </a:fld>
             <a:endParaRPr lang="en-US" dirty="0"/>
           </a:p>
@@ -3836,7 +3836,7 @@
           <a:p>
             <a:fld id="{9796027F-7875-4030-9381-8BD8C4F21935}" type="datetimeFigureOut">
               <a:rPr lang="en-US" dirty="0"/>
-              <a:t>3/8/2019</a:t>
+              <a:t>8/26/2023</a:t>
             </a:fld>
             <a:endParaRPr lang="en-US" dirty="0"/>
           </a:p>
@@ -4269,7 +4269,7 @@
           <a:p>
             <a:fld id="{9796027F-7875-4030-9381-8BD8C4F21935}" type="datetimeFigureOut">
               <a:rPr lang="en-US" dirty="0"/>
-              <a:t>3/8/2019</a:t>
+              <a:t>8/26/2023</a:t>
             </a:fld>
             <a:endParaRPr lang="en-US" dirty="0"/>
           </a:p>
@@ -4382,7 +4382,7 @@
           <a:p>
             <a:fld id="{4509A250-FF31-4206-8172-F9D3106AACB1}" type="datetimeFigureOut">
               <a:rPr lang="en-US" dirty="0"/>
-              <a:t>3/8/2019</a:t>
+              <a:t>8/26/2023</a:t>
             </a:fld>
             <a:endParaRPr lang="en-US" dirty="0"/>
           </a:p>
@@ -4472,7 +4472,7 @@
           <a:p>
             <a:fld id="{4509A250-FF31-4206-8172-F9D3106AACB1}" type="datetimeFigureOut">
               <a:rPr lang="en-US" dirty="0"/>
-              <a:t>3/8/2019</a:t>
+              <a:t>8/26/2023</a:t>
             </a:fld>
             <a:endParaRPr lang="en-US" dirty="0"/>
           </a:p>
@@ -4746,7 +4746,7 @@
           <a:p>
             <a:fld id="{4509A250-FF31-4206-8172-F9D3106AACB1}" type="datetimeFigureOut">
               <a:rPr lang="en-US" dirty="0"/>
-              <a:t>3/8/2019</a:t>
+              <a:t>8/26/2023</a:t>
             </a:fld>
             <a:endParaRPr lang="en-US" dirty="0"/>
           </a:p>
@@ -5016,7 +5016,7 @@
           <a:p>
             <a:fld id="{4509A250-FF31-4206-8172-F9D3106AACB1}" type="datetimeFigureOut">
               <a:rPr lang="en-US" dirty="0"/>
-              <a:t>3/8/2019</a:t>
+              <a:t>8/26/2023</a:t>
             </a:fld>
             <a:endParaRPr lang="en-US" dirty="0"/>
           </a:p>
@@ -5440,7 +5440,7 @@
           <a:p>
             <a:fld id="{4AAD347D-5ACD-4C99-B74B-A9C85AD731AF}" type="datetimeFigureOut">
               <a:rPr lang="en-US" dirty="0"/>
-              <a:t>3/8/2019</a:t>
+              <a:t>8/26/2023</a:t>
             </a:fld>
             <a:endParaRPr lang="en-US" dirty="0"/>
           </a:p>
@@ -6418,7 +6418,7 @@
         </p:nvSpPr>
         <p:spPr>
           <a:xfrm>
-            <a:off x="323365" y="612844"/>
+            <a:off x="323365" y="0"/>
             <a:ext cx="11545268" cy="5632311"/>
           </a:xfrm>
           <a:prstGeom prst="rect">
@@ -6432,15 +6432,12 @@
           <a:lstStyle/>
           <a:p>
             <a:pPr algn="ctr"/>
-            <a:r>
-              <a:rPr lang="pt-BR" sz="7200" b="1" dirty="0">
-                <a:solidFill>
-                  <a:schemeClr val="bg1"/>
-                </a:solidFill>
-                <a:latin typeface="Arial Black" panose="020B0A04020102090204" pitchFamily="34" charset="0"/>
-              </a:rPr>
-              <a:t>UM GRITO DE JÚBILO</a:t>
-            </a:r>
+            <a:endParaRPr lang="pt-BR" sz="7200" b="1" dirty="0">
+              <a:solidFill>
+                <a:schemeClr val="bg1"/>
+              </a:solidFill>
+              <a:latin typeface="Arial Black" panose="020B0A04020102090204" pitchFamily="34" charset="0"/>
+            </a:endParaRPr>
           </a:p>
           <a:p>
             <a:pPr algn="ctr"/>

--- a/VITÓRIA NO DESERTO.pptx
+++ b/VITÓRIA NO DESERTO.pptx
@@ -309,7 +309,7 @@
           <a:p>
             <a:fld id="{4AAD347D-5ACD-4C99-B74B-A9C85AD731AF}" type="datetimeFigureOut">
               <a:rPr lang="en-US" dirty="0"/>
-              <a:t>8/26/2023</a:t>
+              <a:t>3/8/2019</a:t>
             </a:fld>
             <a:endParaRPr lang="en-US" dirty="0"/>
           </a:p>
@@ -579,7 +579,7 @@
           <a:p>
             <a:fld id="{4509A250-FF31-4206-8172-F9D3106AACB1}" type="datetimeFigureOut">
               <a:rPr lang="en-US" dirty="0"/>
-              <a:t>8/26/2023</a:t>
+              <a:t>3/8/2019</a:t>
             </a:fld>
             <a:endParaRPr lang="en-US" dirty="0"/>
           </a:p>
@@ -768,7 +768,7 @@
           <a:p>
             <a:fld id="{4509A250-FF31-4206-8172-F9D3106AACB1}" type="datetimeFigureOut">
               <a:rPr lang="en-US" dirty="0"/>
-              <a:t>8/26/2023</a:t>
+              <a:t>3/8/2019</a:t>
             </a:fld>
             <a:endParaRPr lang="en-US" dirty="0"/>
           </a:p>
@@ -1031,7 +1031,7 @@
           <a:p>
             <a:fld id="{4509A250-FF31-4206-8172-F9D3106AACB1}" type="datetimeFigureOut">
               <a:rPr lang="en-US" dirty="0"/>
-              <a:t>8/26/2023</a:t>
+              <a:t>3/8/2019</a:t>
             </a:fld>
             <a:endParaRPr lang="en-US" dirty="0"/>
           </a:p>
@@ -1358,7 +1358,7 @@
           <a:p>
             <a:fld id="{4509A250-FF31-4206-8172-F9D3106AACB1}" type="datetimeFigureOut">
               <a:rPr lang="en-US" dirty="0"/>
-              <a:t>8/26/2023</a:t>
+              <a:t>3/8/2019</a:t>
             </a:fld>
             <a:endParaRPr lang="en-US" dirty="0"/>
           </a:p>
@@ -1963,7 +1963,7 @@
           <a:p>
             <a:fld id="{4509A250-FF31-4206-8172-F9D3106AACB1}" type="datetimeFigureOut">
               <a:rPr lang="en-US" dirty="0"/>
-              <a:t>8/26/2023</a:t>
+              <a:t>3/8/2019</a:t>
             </a:fld>
             <a:endParaRPr lang="en-US" dirty="0"/>
           </a:p>
@@ -2805,7 +2805,7 @@
           <a:p>
             <a:fld id="{4509A250-FF31-4206-8172-F9D3106AACB1}" type="datetimeFigureOut">
               <a:rPr lang="en-US" dirty="0"/>
-              <a:t>8/26/2023</a:t>
+              <a:t>3/8/2019</a:t>
             </a:fld>
             <a:endParaRPr lang="en-US" dirty="0"/>
           </a:p>
@@ -2970,7 +2970,7 @@
           <a:p>
             <a:fld id="{4509A250-FF31-4206-8172-F9D3106AACB1}" type="datetimeFigureOut">
               <a:rPr lang="en-US" dirty="0"/>
-              <a:t>8/26/2023</a:t>
+              <a:t>3/8/2019</a:t>
             </a:fld>
             <a:endParaRPr lang="en-US" dirty="0"/>
           </a:p>
@@ -3145,7 +3145,7 @@
           <a:p>
             <a:fld id="{4509A250-FF31-4206-8172-F9D3106AACB1}" type="datetimeFigureOut">
               <a:rPr lang="en-US" dirty="0"/>
-              <a:t>8/26/2023</a:t>
+              <a:t>3/8/2019</a:t>
             </a:fld>
             <a:endParaRPr lang="en-US" dirty="0"/>
           </a:p>
@@ -3310,7 +3310,7 @@
           <a:p>
             <a:fld id="{4509A250-FF31-4206-8172-F9D3106AACB1}" type="datetimeFigureOut">
               <a:rPr lang="en-US" dirty="0"/>
-              <a:t>8/26/2023</a:t>
+              <a:t>3/8/2019</a:t>
             </a:fld>
             <a:endParaRPr lang="en-US" dirty="0"/>
           </a:p>
@@ -3549,7 +3549,7 @@
           <a:p>
             <a:fld id="{9796027F-7875-4030-9381-8BD8C4F21935}" type="datetimeFigureOut">
               <a:rPr lang="en-US" dirty="0"/>
-              <a:t>8/26/2023</a:t>
+              <a:t>3/8/2019</a:t>
             </a:fld>
             <a:endParaRPr lang="en-US" dirty="0"/>
           </a:p>
@@ -3836,7 +3836,7 @@
           <a:p>
             <a:fld id="{9796027F-7875-4030-9381-8BD8C4F21935}" type="datetimeFigureOut">
               <a:rPr lang="en-US" dirty="0"/>
-              <a:t>8/26/2023</a:t>
+              <a:t>3/8/2019</a:t>
             </a:fld>
             <a:endParaRPr lang="en-US" dirty="0"/>
           </a:p>
@@ -4269,7 +4269,7 @@
           <a:p>
             <a:fld id="{9796027F-7875-4030-9381-8BD8C4F21935}" type="datetimeFigureOut">
               <a:rPr lang="en-US" dirty="0"/>
-              <a:t>8/26/2023</a:t>
+              <a:t>3/8/2019</a:t>
             </a:fld>
             <a:endParaRPr lang="en-US" dirty="0"/>
           </a:p>
@@ -4382,7 +4382,7 @@
           <a:p>
             <a:fld id="{4509A250-FF31-4206-8172-F9D3106AACB1}" type="datetimeFigureOut">
               <a:rPr lang="en-US" dirty="0"/>
-              <a:t>8/26/2023</a:t>
+              <a:t>3/8/2019</a:t>
             </a:fld>
             <a:endParaRPr lang="en-US" dirty="0"/>
           </a:p>
@@ -4472,7 +4472,7 @@
           <a:p>
             <a:fld id="{4509A250-FF31-4206-8172-F9D3106AACB1}" type="datetimeFigureOut">
               <a:rPr lang="en-US" dirty="0"/>
-              <a:t>8/26/2023</a:t>
+              <a:t>3/8/2019</a:t>
             </a:fld>
             <a:endParaRPr lang="en-US" dirty="0"/>
           </a:p>
@@ -4746,7 +4746,7 @@
           <a:p>
             <a:fld id="{4509A250-FF31-4206-8172-F9D3106AACB1}" type="datetimeFigureOut">
               <a:rPr lang="en-US" dirty="0"/>
-              <a:t>8/26/2023</a:t>
+              <a:t>3/8/2019</a:t>
             </a:fld>
             <a:endParaRPr lang="en-US" dirty="0"/>
           </a:p>
@@ -5016,7 +5016,7 @@
           <a:p>
             <a:fld id="{4509A250-FF31-4206-8172-F9D3106AACB1}" type="datetimeFigureOut">
               <a:rPr lang="en-US" dirty="0"/>
-              <a:t>8/26/2023</a:t>
+              <a:t>3/8/2019</a:t>
             </a:fld>
             <a:endParaRPr lang="en-US" dirty="0"/>
           </a:p>
@@ -5440,7 +5440,7 @@
           <a:p>
             <a:fld id="{4AAD347D-5ACD-4C99-B74B-A9C85AD731AF}" type="datetimeFigureOut">
               <a:rPr lang="en-US" dirty="0"/>
-              <a:t>8/26/2023</a:t>
+              <a:t>3/8/2019</a:t>
             </a:fld>
             <a:endParaRPr lang="en-US" dirty="0"/>
           </a:p>
@@ -6418,7 +6418,7 @@
         </p:nvSpPr>
         <p:spPr>
           <a:xfrm>
-            <a:off x="323365" y="0"/>
+            <a:off x="323365" y="612844"/>
             <a:ext cx="11545268" cy="5632311"/>
           </a:xfrm>
           <a:prstGeom prst="rect">
@@ -6432,12 +6432,15 @@
           <a:lstStyle/>
           <a:p>
             <a:pPr algn="ctr"/>
-            <a:endParaRPr lang="pt-BR" sz="7200" b="1" dirty="0">
-              <a:solidFill>
-                <a:schemeClr val="bg1"/>
-              </a:solidFill>
-              <a:latin typeface="Arial Black" panose="020B0A04020102090204" pitchFamily="34" charset="0"/>
-            </a:endParaRPr>
+            <a:r>
+              <a:rPr lang="pt-BR" sz="7200" b="1" dirty="0">
+                <a:solidFill>
+                  <a:schemeClr val="bg1"/>
+                </a:solidFill>
+                <a:latin typeface="Arial Black" panose="020B0A04020102090204" pitchFamily="34" charset="0"/>
+              </a:rPr>
+              <a:t>UM GRITO DE JÚBILO</a:t>
+            </a:r>
           </a:p>
           <a:p>
             <a:pPr algn="ctr"/>
